--- a/Yanac.pptx
+++ b/Yanac.pptx
@@ -1917,7 +1917,7 @@
           <a:p>
             <a:fld id="{807AC11F-7089-49B3-92D4-B9D8BF3AAAA9}" type="datetimeFigureOut">
               <a:rPr lang="hu-HU" smtClean="0"/>
-              <a:t>2024. 04. 29.</a:t>
+              <a:t>2024. 04. 30.</a:t>
             </a:fld>
             <a:endParaRPr lang="hu-HU"/>
           </a:p>
@@ -2536,7 +2536,7 @@
           <a:p>
             <a:r>
               <a:rPr lang="hu-HU" b="1" dirty="0"/>
-              <a:t>HSW: 2024. ÁPRILIS 9. 13:00</a:t>
+              <a:t>HWSW: 2024. ÁPRILIS 9. 13:00</a:t>
             </a:r>
           </a:p>
           <a:p>
@@ -3063,7 +3063,7 @@
           <a:p>
             <a:fld id="{996333FD-3F07-4EEA-99DD-37AEE0CFF0CB}" type="datetimeFigureOut">
               <a:rPr lang="hu-HU" smtClean="0"/>
-              <a:t>2024. 04. 29.</a:t>
+              <a:t>2024. 04. 30.</a:t>
             </a:fld>
             <a:endParaRPr lang="hu-HU"/>
           </a:p>
@@ -3233,7 +3233,7 @@
           <a:p>
             <a:fld id="{996333FD-3F07-4EEA-99DD-37AEE0CFF0CB}" type="datetimeFigureOut">
               <a:rPr lang="hu-HU" smtClean="0"/>
-              <a:t>2024. 04. 29.</a:t>
+              <a:t>2024. 04. 30.</a:t>
             </a:fld>
             <a:endParaRPr lang="hu-HU"/>
           </a:p>
@@ -3413,7 +3413,7 @@
           <a:p>
             <a:fld id="{996333FD-3F07-4EEA-99DD-37AEE0CFF0CB}" type="datetimeFigureOut">
               <a:rPr lang="hu-HU" smtClean="0"/>
-              <a:t>2024. 04. 29.</a:t>
+              <a:t>2024. 04. 30.</a:t>
             </a:fld>
             <a:endParaRPr lang="hu-HU"/>
           </a:p>
@@ -3583,7 +3583,7 @@
           <a:p>
             <a:fld id="{996333FD-3F07-4EEA-99DD-37AEE0CFF0CB}" type="datetimeFigureOut">
               <a:rPr lang="hu-HU" smtClean="0"/>
-              <a:t>2024. 04. 29.</a:t>
+              <a:t>2024. 04. 30.</a:t>
             </a:fld>
             <a:endParaRPr lang="hu-HU"/>
           </a:p>
@@ -3829,7 +3829,7 @@
           <a:p>
             <a:fld id="{996333FD-3F07-4EEA-99DD-37AEE0CFF0CB}" type="datetimeFigureOut">
               <a:rPr lang="hu-HU" smtClean="0"/>
-              <a:t>2024. 04. 29.</a:t>
+              <a:t>2024. 04. 30.</a:t>
             </a:fld>
             <a:endParaRPr lang="hu-HU"/>
           </a:p>
@@ -4061,7 +4061,7 @@
           <a:p>
             <a:fld id="{996333FD-3F07-4EEA-99DD-37AEE0CFF0CB}" type="datetimeFigureOut">
               <a:rPr lang="hu-HU" smtClean="0"/>
-              <a:t>2024. 04. 29.</a:t>
+              <a:t>2024. 04. 30.</a:t>
             </a:fld>
             <a:endParaRPr lang="hu-HU"/>
           </a:p>
@@ -4428,7 +4428,7 @@
           <a:p>
             <a:fld id="{996333FD-3F07-4EEA-99DD-37AEE0CFF0CB}" type="datetimeFigureOut">
               <a:rPr lang="hu-HU" smtClean="0"/>
-              <a:t>2024. 04. 29.</a:t>
+              <a:t>2024. 04. 30.</a:t>
             </a:fld>
             <a:endParaRPr lang="hu-HU"/>
           </a:p>
@@ -4546,7 +4546,7 @@
           <a:p>
             <a:fld id="{996333FD-3F07-4EEA-99DD-37AEE0CFF0CB}" type="datetimeFigureOut">
               <a:rPr lang="hu-HU" smtClean="0"/>
-              <a:t>2024. 04. 29.</a:t>
+              <a:t>2024. 04. 30.</a:t>
             </a:fld>
             <a:endParaRPr lang="hu-HU"/>
           </a:p>
@@ -4641,7 +4641,7 @@
           <a:p>
             <a:fld id="{996333FD-3F07-4EEA-99DD-37AEE0CFF0CB}" type="datetimeFigureOut">
               <a:rPr lang="hu-HU" smtClean="0"/>
-              <a:t>2024. 04. 29.</a:t>
+              <a:t>2024. 04. 30.</a:t>
             </a:fld>
             <a:endParaRPr lang="hu-HU"/>
           </a:p>
@@ -4918,7 +4918,7 @@
           <a:p>
             <a:fld id="{996333FD-3F07-4EEA-99DD-37AEE0CFF0CB}" type="datetimeFigureOut">
               <a:rPr lang="hu-HU" smtClean="0"/>
-              <a:t>2024. 04. 29.</a:t>
+              <a:t>2024. 04. 30.</a:t>
             </a:fld>
             <a:endParaRPr lang="hu-HU"/>
           </a:p>
@@ -5175,7 +5175,7 @@
           <a:p>
             <a:fld id="{996333FD-3F07-4EEA-99DD-37AEE0CFF0CB}" type="datetimeFigureOut">
               <a:rPr lang="hu-HU" smtClean="0"/>
-              <a:t>2024. 04. 29.</a:t>
+              <a:t>2024. 04. 30.</a:t>
             </a:fld>
             <a:endParaRPr lang="hu-HU"/>
           </a:p>
@@ -5388,7 +5388,7 @@
           <a:p>
             <a:fld id="{996333FD-3F07-4EEA-99DD-37AEE0CFF0CB}" type="datetimeFigureOut">
               <a:rPr lang="hu-HU" smtClean="0"/>
-              <a:t>2024. 04. 29.</a:t>
+              <a:t>2024. 04. 30.</a:t>
             </a:fld>
             <a:endParaRPr lang="hu-HU"/>
           </a:p>
@@ -7377,7 +7377,7 @@
           <a:p>
             <a:r>
               <a:rPr lang="hu-HU" dirty="0"/>
-              <a:t>HSW: 2024. ÁPRILIS 9. 13:00</a:t>
+              <a:t>HWSW : 2024. ÁPRILIS 9. 13:00</a:t>
             </a:r>
           </a:p>
           <a:p>
